--- a/All report/Week 2 - Group 8.pptx
+++ b/All report/Week 2 - Group 8.pptx
@@ -108,6 +108,11 @@
       </a:defRPr>
     </a:lvl9pPr>
   </p:defaultTextStyle>
+  <p:extLst>
+    <p:ext uri="{EFAFB233-063F-42B5-8137-9DF3F51BA10A}">
+      <p15:sldGuideLst xmlns:p15="http://schemas.microsoft.com/office/powerpoint/2012/main"/>
+    </p:ext>
+  </p:extLst>
 </p:presentation>
 </file>
 
@@ -357,7 +362,7 @@
             <a:fld id="{B61BEF0D-F0BB-DE4B-95CE-6DB70DBA9567}" type="datetimeFigureOut">
               <a:rPr lang="en-US" dirty="0"/>
               <a:pPr/>
-              <a:t>8/10/2020</a:t>
+              <a:t>8/19/2020</a:t>
             </a:fld>
             <a:endParaRPr lang="en-US" dirty="0"/>
           </a:p>
@@ -616,7 +621,7 @@
             <a:fld id="{B61BEF0D-F0BB-DE4B-95CE-6DB70DBA9567}" type="datetimeFigureOut">
               <a:rPr lang="en-US" dirty="0"/>
               <a:pPr/>
-              <a:t>8/10/2020</a:t>
+              <a:t>8/19/2020</a:t>
             </a:fld>
             <a:endParaRPr lang="en-US" dirty="0"/>
           </a:p>
@@ -848,7 +853,7 @@
             <a:fld id="{B61BEF0D-F0BB-DE4B-95CE-6DB70DBA9567}" type="datetimeFigureOut">
               <a:rPr lang="en-US" dirty="0"/>
               <a:pPr/>
-              <a:t>8/10/2020</a:t>
+              <a:t>8/19/2020</a:t>
             </a:fld>
             <a:endParaRPr lang="en-US" dirty="0"/>
           </a:p>
@@ -1085,7 +1090,7 @@
             <a:fld id="{B61BEF0D-F0BB-DE4B-95CE-6DB70DBA9567}" type="datetimeFigureOut">
               <a:rPr lang="en-US" dirty="0"/>
               <a:pPr/>
-              <a:t>8/10/2020</a:t>
+              <a:t>8/19/2020</a:t>
             </a:fld>
             <a:endParaRPr lang="en-US" dirty="0"/>
           </a:p>
@@ -1389,7 +1394,7 @@
             <a:fld id="{B61BEF0D-F0BB-DE4B-95CE-6DB70DBA9567}" type="datetimeFigureOut">
               <a:rPr lang="en-US" dirty="0"/>
               <a:pPr/>
-              <a:t>8/10/2020</a:t>
+              <a:t>8/19/2020</a:t>
             </a:fld>
             <a:endParaRPr lang="en-US" dirty="0"/>
           </a:p>
@@ -1688,7 +1693,7 @@
             <a:fld id="{B61BEF0D-F0BB-DE4B-95CE-6DB70DBA9567}" type="datetimeFigureOut">
               <a:rPr lang="en-US" dirty="0"/>
               <a:pPr/>
-              <a:t>8/10/2020</a:t>
+              <a:t>8/19/2020</a:t>
             </a:fld>
             <a:endParaRPr lang="en-US" dirty="0"/>
           </a:p>
@@ -2107,7 +2112,7 @@
             <a:fld id="{B61BEF0D-F0BB-DE4B-95CE-6DB70DBA9567}" type="datetimeFigureOut">
               <a:rPr lang="en-US" dirty="0"/>
               <a:pPr/>
-              <a:t>8/10/2020</a:t>
+              <a:t>8/19/2020</a:t>
             </a:fld>
             <a:endParaRPr lang="en-US" dirty="0"/>
           </a:p>
@@ -2266,7 +2271,7 @@
             <a:fld id="{B61BEF0D-F0BB-DE4B-95CE-6DB70DBA9567}" type="datetimeFigureOut">
               <a:rPr lang="en-US" dirty="0"/>
               <a:pPr/>
-              <a:t>8/10/2020</a:t>
+              <a:t>8/19/2020</a:t>
             </a:fld>
             <a:endParaRPr lang="en-US" dirty="0"/>
           </a:p>
@@ -2358,7 +2363,7 @@
             <a:fld id="{B61BEF0D-F0BB-DE4B-95CE-6DB70DBA9567}" type="datetimeFigureOut">
               <a:rPr lang="en-US" dirty="0"/>
               <a:pPr/>
-              <a:t>8/10/2020</a:t>
+              <a:t>8/19/2020</a:t>
             </a:fld>
             <a:endParaRPr lang="en-US" dirty="0"/>
           </a:p>
@@ -2733,7 +2738,7 @@
             <a:fld id="{B61BEF0D-F0BB-DE4B-95CE-6DB70DBA9567}" type="datetimeFigureOut">
               <a:rPr lang="en-US" dirty="0"/>
               <a:pPr/>
-              <a:t>8/10/2020</a:t>
+              <a:t>8/19/2020</a:t>
             </a:fld>
             <a:endParaRPr lang="en-US" dirty="0"/>
           </a:p>
@@ -3019,7 +3024,7 @@
             <a:fld id="{B61BEF0D-F0BB-DE4B-95CE-6DB70DBA9567}" type="datetimeFigureOut">
               <a:rPr lang="en-US" dirty="0"/>
               <a:pPr/>
-              <a:t>8/10/2020</a:t>
+              <a:t>8/19/2020</a:t>
             </a:fld>
             <a:endParaRPr lang="en-US" dirty="0"/>
           </a:p>
@@ -3227,7 +3232,7 @@
             <a:fld id="{B61BEF0D-F0BB-DE4B-95CE-6DB70DBA9567}" type="datetimeFigureOut">
               <a:rPr lang="en-US" dirty="0"/>
               <a:pPr/>
-              <a:t>8/10/2020</a:t>
+              <a:t>8/19/2020</a:t>
             </a:fld>
             <a:endParaRPr lang="en-US" dirty="0"/>
           </a:p>
@@ -3941,10 +3946,10 @@
                 <a:cs typeface="Calibri"/>
                 <a:sym typeface="Calibri"/>
               </a:rPr>
-              <a:t> Shad Al </a:t>
-            </a:r>
-            <a:r>
-              <a:rPr lang="en-US" dirty="0" err="1">
+              <a:t> Shad </a:t>
+            </a:r>
+            <a:r>
+              <a:rPr lang="en-US">
                 <a:solidFill>
                   <a:schemeClr val="bg1"/>
                 </a:solidFill>
@@ -3953,10 +3958,10 @@
                 <a:cs typeface="Calibri"/>
                 <a:sym typeface="Calibri"/>
               </a:rPr>
-              <a:t>K</a:t>
-            </a:r>
-            <a:r>
-              <a:rPr lang="en-US" dirty="0" err="1" smtClean="0">
+              <a:t>Al </a:t>
+            </a:r>
+            <a:r>
+              <a:rPr lang="en-US" smtClean="0">
                 <a:solidFill>
                   <a:schemeClr val="bg1"/>
                 </a:solidFill>
@@ -3965,19 +3970,7 @@
                 <a:cs typeface="Calibri"/>
                 <a:sym typeface="Calibri"/>
               </a:rPr>
-              <a:t>aisar</a:t>
-            </a:r>
-            <a:r>
-              <a:rPr lang="en-US" dirty="0" smtClean="0">
-                <a:solidFill>
-                  <a:schemeClr val="bg1"/>
-                </a:solidFill>
-                <a:latin typeface="Calibri"/>
-                <a:ea typeface="Calibri"/>
-                <a:cs typeface="Calibri"/>
-                <a:sym typeface="Calibri"/>
-              </a:rPr>
-              <a:t> </a:t>
+              <a:t>Kaiser </a:t>
             </a:r>
             <a:endParaRPr lang="en-US" dirty="0">
               <a:solidFill>
